--- a/inst/extras/rmapCheatsheet_v01.pptx
+++ b/inst/extras/rmapCheatsheet_v01.pptx
@@ -197,7 +197,7 @@
           <a:p>
             <a:fld id="{D0A1FD91-65A3-4356-9704-301FA4DE96A7}" type="datetimeFigureOut">
               <a:rPr lang="en-US" smtClean="0"/>
-              <a:t>11/29/2020</a:t>
+              <a:t>12/31/2020</a:t>
             </a:fld>
             <a:endParaRPr lang="en-US"/>
           </a:p>
@@ -695,7 +695,7 @@
           <a:p>
             <a:fld id="{89D4607A-7F2D-4A84-AFA7-3FE67E9D53B7}" type="datetimeFigureOut">
               <a:rPr lang="en-US" smtClean="0"/>
-              <a:t>11/29/2020</a:t>
+              <a:t>12/31/2020</a:t>
             </a:fld>
             <a:endParaRPr lang="en-US"/>
           </a:p>
@@ -893,7 +893,7 @@
           <a:p>
             <a:fld id="{89D4607A-7F2D-4A84-AFA7-3FE67E9D53B7}" type="datetimeFigureOut">
               <a:rPr lang="en-US" smtClean="0"/>
-              <a:t>11/29/2020</a:t>
+              <a:t>12/31/2020</a:t>
             </a:fld>
             <a:endParaRPr lang="en-US"/>
           </a:p>
@@ -1101,7 +1101,7 @@
           <a:p>
             <a:fld id="{89D4607A-7F2D-4A84-AFA7-3FE67E9D53B7}" type="datetimeFigureOut">
               <a:rPr lang="en-US" smtClean="0"/>
-              <a:t>11/29/2020</a:t>
+              <a:t>12/31/2020</a:t>
             </a:fld>
             <a:endParaRPr lang="en-US"/>
           </a:p>
@@ -1299,7 +1299,7 @@
           <a:p>
             <a:fld id="{89D4607A-7F2D-4A84-AFA7-3FE67E9D53B7}" type="datetimeFigureOut">
               <a:rPr lang="en-US" smtClean="0"/>
-              <a:t>11/29/2020</a:t>
+              <a:t>12/31/2020</a:t>
             </a:fld>
             <a:endParaRPr lang="en-US"/>
           </a:p>
@@ -1574,7 +1574,7 @@
           <a:p>
             <a:fld id="{89D4607A-7F2D-4A84-AFA7-3FE67E9D53B7}" type="datetimeFigureOut">
               <a:rPr lang="en-US" smtClean="0"/>
-              <a:t>11/29/2020</a:t>
+              <a:t>12/31/2020</a:t>
             </a:fld>
             <a:endParaRPr lang="en-US"/>
           </a:p>
@@ -1839,7 +1839,7 @@
           <a:p>
             <a:fld id="{89D4607A-7F2D-4A84-AFA7-3FE67E9D53B7}" type="datetimeFigureOut">
               <a:rPr lang="en-US" smtClean="0"/>
-              <a:t>11/29/2020</a:t>
+              <a:t>12/31/2020</a:t>
             </a:fld>
             <a:endParaRPr lang="en-US"/>
           </a:p>
@@ -2251,7 +2251,7 @@
           <a:p>
             <a:fld id="{89D4607A-7F2D-4A84-AFA7-3FE67E9D53B7}" type="datetimeFigureOut">
               <a:rPr lang="en-US" smtClean="0"/>
-              <a:t>11/29/2020</a:t>
+              <a:t>12/31/2020</a:t>
             </a:fld>
             <a:endParaRPr lang="en-US"/>
           </a:p>
@@ -2392,7 +2392,7 @@
           <a:p>
             <a:fld id="{89D4607A-7F2D-4A84-AFA7-3FE67E9D53B7}" type="datetimeFigureOut">
               <a:rPr lang="en-US" smtClean="0"/>
-              <a:t>11/29/2020</a:t>
+              <a:t>12/31/2020</a:t>
             </a:fld>
             <a:endParaRPr lang="en-US"/>
           </a:p>
@@ -2505,7 +2505,7 @@
           <a:p>
             <a:fld id="{89D4607A-7F2D-4A84-AFA7-3FE67E9D53B7}" type="datetimeFigureOut">
               <a:rPr lang="en-US" smtClean="0"/>
-              <a:t>11/29/2020</a:t>
+              <a:t>12/31/2020</a:t>
             </a:fld>
             <a:endParaRPr lang="en-US"/>
           </a:p>
@@ -2816,7 +2816,7 @@
           <a:p>
             <a:fld id="{89D4607A-7F2D-4A84-AFA7-3FE67E9D53B7}" type="datetimeFigureOut">
               <a:rPr lang="en-US" smtClean="0"/>
-              <a:t>11/29/2020</a:t>
+              <a:t>12/31/2020</a:t>
             </a:fld>
             <a:endParaRPr lang="en-US"/>
           </a:p>
@@ -3104,7 +3104,7 @@
           <a:p>
             <a:fld id="{89D4607A-7F2D-4A84-AFA7-3FE67E9D53B7}" type="datetimeFigureOut">
               <a:rPr lang="en-US" smtClean="0"/>
-              <a:t>11/29/2020</a:t>
+              <a:t>12/31/2020</a:t>
             </a:fld>
             <a:endParaRPr lang="en-US"/>
           </a:p>
@@ -3345,7 +3345,7 @@
           <a:p>
             <a:fld id="{89D4607A-7F2D-4A84-AFA7-3FE67E9D53B7}" type="datetimeFigureOut">
               <a:rPr lang="en-US" smtClean="0"/>
-              <a:t>11/29/2020</a:t>
+              <a:t>12/31/2020</a:t>
             </a:fld>
             <a:endParaRPr lang="en-US"/>
           </a:p>
@@ -6918,10 +6918,10 @@
       </p:pic>
       <p:pic>
         <p:nvPicPr>
-          <p:cNvPr id="18" name="Picture 17">
-            <a:extLst>
-              <a:ext uri="{FF2B5EF4-FFF2-40B4-BE49-F238E27FC236}">
-                <a16:creationId xmlns:a16="http://schemas.microsoft.com/office/drawing/2014/main" id="{4C18D77C-B3EB-446B-9AA2-1CF37BECAF89}"/>
+          <p:cNvPr id="19" name="Picture 18">
+            <a:extLst>
+              <a:ext uri="{FF2B5EF4-FFF2-40B4-BE49-F238E27FC236}">
+                <a16:creationId xmlns:a16="http://schemas.microsoft.com/office/drawing/2014/main" id="{57B7C8E6-75E6-47DC-AD1B-6322BE2C93A0}"/>
               </a:ext>
             </a:extLst>
           </p:cNvPr>
@@ -6932,43 +6932,6 @@
         </p:nvPicPr>
         <p:blipFill>
           <a:blip r:embed="rId9"/>
-          <a:stretch>
-            <a:fillRect/>
-          </a:stretch>
-        </p:blipFill>
-        <p:spPr>
-          <a:xfrm>
-            <a:off x="241401" y="4212451"/>
-            <a:ext cx="2810162" cy="1151198"/>
-          </a:xfrm>
-          <a:prstGeom prst="rect">
-            <a:avLst/>
-          </a:prstGeom>
-          <a:ln>
-            <a:solidFill>
-              <a:schemeClr val="bg1">
-                <a:lumMod val="65000"/>
-              </a:schemeClr>
-            </a:solidFill>
-          </a:ln>
-        </p:spPr>
-      </p:pic>
-      <p:pic>
-        <p:nvPicPr>
-          <p:cNvPr id="19" name="Picture 18">
-            <a:extLst>
-              <a:ext uri="{FF2B5EF4-FFF2-40B4-BE49-F238E27FC236}">
-                <a16:creationId xmlns:a16="http://schemas.microsoft.com/office/drawing/2014/main" id="{57B7C8E6-75E6-47DC-AD1B-6322BE2C93A0}"/>
-              </a:ext>
-            </a:extLst>
-          </p:cNvPr>
-          <p:cNvPicPr>
-            <a:picLocks noChangeAspect="1"/>
-          </p:cNvPicPr>
-          <p:nvPr/>
-        </p:nvPicPr>
-        <p:blipFill>
-          <a:blip r:embed="rId10"/>
           <a:stretch>
             <a:fillRect/>
           </a:stretch>
@@ -7005,7 +6968,7 @@
           <p:nvPr/>
         </p:nvPicPr>
         <p:blipFill>
-          <a:blip r:embed="rId11"/>
+          <a:blip r:embed="rId10"/>
           <a:stretch>
             <a:fillRect/>
           </a:stretch>
@@ -7042,7 +7005,7 @@
           <p:nvPr/>
         </p:nvPicPr>
         <p:blipFill>
-          <a:blip r:embed="rId12"/>
+          <a:blip r:embed="rId11"/>
           <a:stretch>
             <a:fillRect/>
           </a:stretch>
@@ -7079,7 +7042,7 @@
           <p:nvPr/>
         </p:nvPicPr>
         <p:blipFill>
-          <a:blip r:embed="rId13"/>
+          <a:blip r:embed="rId12"/>
           <a:stretch>
             <a:fillRect/>
           </a:stretch>
@@ -7116,7 +7079,7 @@
           <p:nvPr/>
         </p:nvPicPr>
         <p:blipFill>
-          <a:blip r:embed="rId14"/>
+          <a:blip r:embed="rId13"/>
           <a:stretch>
             <a:fillRect/>
           </a:stretch>
@@ -7153,7 +7116,7 @@
           <p:nvPr/>
         </p:nvPicPr>
         <p:blipFill>
-          <a:blip r:embed="rId15"/>
+          <a:blip r:embed="rId14"/>
           <a:stretch>
             <a:fillRect/>
           </a:stretch>
@@ -7190,7 +7153,7 @@
           <p:nvPr/>
         </p:nvPicPr>
         <p:blipFill>
-          <a:blip r:embed="rId16"/>
+          <a:blip r:embed="rId15"/>
           <a:stretch>
             <a:fillRect/>
           </a:stretch>
@@ -7227,7 +7190,7 @@
           <p:nvPr/>
         </p:nvPicPr>
         <p:blipFill>
-          <a:blip r:embed="rId17"/>
+          <a:blip r:embed="rId16"/>
           <a:stretch>
             <a:fillRect/>
           </a:stretch>
@@ -7264,7 +7227,7 @@
           <p:nvPr/>
         </p:nvPicPr>
         <p:blipFill>
-          <a:blip r:embed="rId18"/>
+          <a:blip r:embed="rId17"/>
           <a:stretch>
             <a:fillRect/>
           </a:stretch>
@@ -7365,48 +7328,84 @@
             </a:r>
             <a:r>
               <a:rPr lang="en-US" sz="1000" u="sng" dirty="0">
-                <a:hlinkClick r:id="rId19"/>
+                <a:hlinkClick r:id="rId18"/>
               </a:rPr>
               <a:t>https://jgcri.github.io/rmap</a:t>
+            </a:r>
+            <a:r>
+              <a:rPr lang="en-US" sz="1000" dirty="0">
+                <a:hlinkClick r:id="rId18"/>
+              </a:rPr>
+              <a:t>/</a:t>
+            </a:r>
+            <a:endParaRPr lang="en-US" sz="1000" dirty="0"/>
+          </a:p>
+          <a:p>
+            <a:pPr algn="ctr"/>
+            <a:r>
+              <a:rPr lang="en-US" sz="1000" dirty="0" err="1"/>
+              <a:t>Github</a:t>
+            </a:r>
+            <a:r>
+              <a:rPr lang="en-US" sz="1000" dirty="0"/>
+              <a:t>: </a:t>
             </a:r>
             <a:r>
               <a:rPr lang="en-US" sz="1000" dirty="0">
                 <a:hlinkClick r:id="rId19"/>
               </a:rPr>
-              <a:t>/</a:t>
+              <a:t>https://github.com/JGCRI/rmap</a:t>
             </a:r>
             <a:endParaRPr lang="en-US" sz="1000" dirty="0"/>
           </a:p>
           <a:p>
             <a:pPr algn="ctr"/>
-            <a:r>
-              <a:rPr lang="en-US" sz="1000" dirty="0" err="1"/>
-              <a:t>Github</a:t>
-            </a:r>
-            <a:r>
-              <a:rPr lang="en-US" sz="1000" dirty="0"/>
-              <a:t>: </a:t>
-            </a:r>
             <a:r>
               <a:rPr lang="en-US" sz="1000" dirty="0">
                 <a:hlinkClick r:id="rId20"/>
               </a:rPr>
-              <a:t>https://github.com/JGCRI/rmap</a:t>
+              <a:t>Cheat sheet</a:t>
             </a:r>
             <a:endParaRPr lang="en-US" sz="1000" dirty="0"/>
           </a:p>
-          <a:p>
-            <a:pPr algn="ctr"/>
-            <a:r>
-              <a:rPr lang="en-US" sz="1000" dirty="0">
-                <a:hlinkClick r:id="rId21"/>
-              </a:rPr>
-              <a:t>Cheat sheet</a:t>
-            </a:r>
-            <a:endParaRPr lang="en-US" sz="1000" dirty="0"/>
-          </a:p>
-        </p:txBody>
-      </p:sp>
+        </p:txBody>
+      </p:sp>
+      <p:pic>
+        <p:nvPicPr>
+          <p:cNvPr id="2" name="Picture 1">
+            <a:extLst>
+              <a:ext uri="{FF2B5EF4-FFF2-40B4-BE49-F238E27FC236}">
+                <a16:creationId xmlns:a16="http://schemas.microsoft.com/office/drawing/2014/main" id="{C551FE01-49C6-4A57-BB88-C3A3B9D8C257}"/>
+              </a:ext>
+            </a:extLst>
+          </p:cNvPr>
+          <p:cNvPicPr>
+            <a:picLocks noChangeAspect="1"/>
+          </p:cNvPicPr>
+          <p:nvPr/>
+        </p:nvPicPr>
+        <p:blipFill rotWithShape="1">
+          <a:blip r:embed="rId21"/>
+          <a:srcRect l="5370" t="4848" r="13191" b="12677"/>
+          <a:stretch/>
+        </p:blipFill>
+        <p:spPr>
+          <a:xfrm>
+            <a:off x="530102" y="4260526"/>
+            <a:ext cx="2095913" cy="989984"/>
+          </a:xfrm>
+          <a:prstGeom prst="rect">
+            <a:avLst/>
+          </a:prstGeom>
+          <a:ln>
+            <a:solidFill>
+              <a:schemeClr val="bg1">
+                <a:lumMod val="65000"/>
+              </a:schemeClr>
+            </a:solidFill>
+          </a:ln>
+        </p:spPr>
+      </p:pic>
     </p:spTree>
     <p:extLst>
       <p:ext uri="{BB962C8B-B14F-4D97-AF65-F5344CB8AC3E}">

--- a/inst/extras/rmapCheatsheet_v01.pptx
+++ b/inst/extras/rmapCheatsheet_v01.pptx
@@ -197,7 +197,7 @@
           <a:p>
             <a:fld id="{D0A1FD91-65A3-4356-9704-301FA4DE96A7}" type="datetimeFigureOut">
               <a:rPr lang="en-US" smtClean="0"/>
-              <a:t>12/31/2020</a:t>
+              <a:t>4/9/2021</a:t>
             </a:fld>
             <a:endParaRPr lang="en-US"/>
           </a:p>
@@ -695,7 +695,7 @@
           <a:p>
             <a:fld id="{89D4607A-7F2D-4A84-AFA7-3FE67E9D53B7}" type="datetimeFigureOut">
               <a:rPr lang="en-US" smtClean="0"/>
-              <a:t>12/31/2020</a:t>
+              <a:t>4/9/2021</a:t>
             </a:fld>
             <a:endParaRPr lang="en-US"/>
           </a:p>
@@ -893,7 +893,7 @@
           <a:p>
             <a:fld id="{89D4607A-7F2D-4A84-AFA7-3FE67E9D53B7}" type="datetimeFigureOut">
               <a:rPr lang="en-US" smtClean="0"/>
-              <a:t>12/31/2020</a:t>
+              <a:t>4/9/2021</a:t>
             </a:fld>
             <a:endParaRPr lang="en-US"/>
           </a:p>
@@ -1101,7 +1101,7 @@
           <a:p>
             <a:fld id="{89D4607A-7F2D-4A84-AFA7-3FE67E9D53B7}" type="datetimeFigureOut">
               <a:rPr lang="en-US" smtClean="0"/>
-              <a:t>12/31/2020</a:t>
+              <a:t>4/9/2021</a:t>
             </a:fld>
             <a:endParaRPr lang="en-US"/>
           </a:p>
@@ -1299,7 +1299,7 @@
           <a:p>
             <a:fld id="{89D4607A-7F2D-4A84-AFA7-3FE67E9D53B7}" type="datetimeFigureOut">
               <a:rPr lang="en-US" smtClean="0"/>
-              <a:t>12/31/2020</a:t>
+              <a:t>4/9/2021</a:t>
             </a:fld>
             <a:endParaRPr lang="en-US"/>
           </a:p>
@@ -1574,7 +1574,7 @@
           <a:p>
             <a:fld id="{89D4607A-7F2D-4A84-AFA7-3FE67E9D53B7}" type="datetimeFigureOut">
               <a:rPr lang="en-US" smtClean="0"/>
-              <a:t>12/31/2020</a:t>
+              <a:t>4/9/2021</a:t>
             </a:fld>
             <a:endParaRPr lang="en-US"/>
           </a:p>
@@ -1839,7 +1839,7 @@
           <a:p>
             <a:fld id="{89D4607A-7F2D-4A84-AFA7-3FE67E9D53B7}" type="datetimeFigureOut">
               <a:rPr lang="en-US" smtClean="0"/>
-              <a:t>12/31/2020</a:t>
+              <a:t>4/9/2021</a:t>
             </a:fld>
             <a:endParaRPr lang="en-US"/>
           </a:p>
@@ -2251,7 +2251,7 @@
           <a:p>
             <a:fld id="{89D4607A-7F2D-4A84-AFA7-3FE67E9D53B7}" type="datetimeFigureOut">
               <a:rPr lang="en-US" smtClean="0"/>
-              <a:t>12/31/2020</a:t>
+              <a:t>4/9/2021</a:t>
             </a:fld>
             <a:endParaRPr lang="en-US"/>
           </a:p>
@@ -2392,7 +2392,7 @@
           <a:p>
             <a:fld id="{89D4607A-7F2D-4A84-AFA7-3FE67E9D53B7}" type="datetimeFigureOut">
               <a:rPr lang="en-US" smtClean="0"/>
-              <a:t>12/31/2020</a:t>
+              <a:t>4/9/2021</a:t>
             </a:fld>
             <a:endParaRPr lang="en-US"/>
           </a:p>
@@ -2505,7 +2505,7 @@
           <a:p>
             <a:fld id="{89D4607A-7F2D-4A84-AFA7-3FE67E9D53B7}" type="datetimeFigureOut">
               <a:rPr lang="en-US" smtClean="0"/>
-              <a:t>12/31/2020</a:t>
+              <a:t>4/9/2021</a:t>
             </a:fld>
             <a:endParaRPr lang="en-US"/>
           </a:p>
@@ -2816,7 +2816,7 @@
           <a:p>
             <a:fld id="{89D4607A-7F2D-4A84-AFA7-3FE67E9D53B7}" type="datetimeFigureOut">
               <a:rPr lang="en-US" smtClean="0"/>
-              <a:t>12/31/2020</a:t>
+              <a:t>4/9/2021</a:t>
             </a:fld>
             <a:endParaRPr lang="en-US"/>
           </a:p>
@@ -3104,7 +3104,7 @@
           <a:p>
             <a:fld id="{89D4607A-7F2D-4A84-AFA7-3FE67E9D53B7}" type="datetimeFigureOut">
               <a:rPr lang="en-US" smtClean="0"/>
-              <a:t>12/31/2020</a:t>
+              <a:t>4/9/2021</a:t>
             </a:fld>
             <a:endParaRPr lang="en-US"/>
           </a:p>
@@ -3345,7 +3345,7 @@
           <a:p>
             <a:fld id="{89D4607A-7F2D-4A84-AFA7-3FE67E9D53B7}" type="datetimeFigureOut">
               <a:rPr lang="en-US" smtClean="0"/>
-              <a:t>12/31/2020</a:t>
+              <a:t>4/9/2021</a:t>
             </a:fld>
             <a:endParaRPr lang="en-US"/>
           </a:p>
@@ -7308,7 +7308,7 @@
         <p:spPr>
           <a:xfrm>
             <a:off x="341959" y="405791"/>
-            <a:ext cx="2532265" cy="553998"/>
+            <a:ext cx="2532265" cy="400110"/>
           </a:xfrm>
           <a:prstGeom prst="rect">
             <a:avLst/>
@@ -7358,16 +7358,6 @@
             </a:r>
             <a:endParaRPr lang="en-US" sz="1000" dirty="0"/>
           </a:p>
-          <a:p>
-            <a:pPr algn="ctr"/>
-            <a:r>
-              <a:rPr lang="en-US" sz="1000" dirty="0">
-                <a:hlinkClick r:id="rId20"/>
-              </a:rPr>
-              <a:t>Cheat sheet</a:t>
-            </a:r>
-            <a:endParaRPr lang="en-US" sz="1000" dirty="0"/>
-          </a:p>
         </p:txBody>
       </p:sp>
       <p:pic>
@@ -7385,7 +7375,7 @@
           <p:nvPr/>
         </p:nvPicPr>
         <p:blipFill rotWithShape="1">
-          <a:blip r:embed="rId21"/>
+          <a:blip r:embed="rId20"/>
           <a:srcRect l="5370" t="4848" r="13191" b="12677"/>
           <a:stretch/>
         </p:blipFill>

--- a/inst/extras/rmapCheatsheet_v01.pptx
+++ b/inst/extras/rmapCheatsheet_v01.pptx
@@ -4074,7 +4074,7 @@
         </p:nvSpPr>
         <p:spPr>
           <a:xfrm>
-            <a:off x="146009" y="986986"/>
+            <a:off x="146009" y="859502"/>
             <a:ext cx="3035785" cy="274320"/>
           </a:xfrm>
           <a:prstGeom prst="roundRect">
@@ -4134,8 +4134,8 @@
         </p:nvSpPr>
         <p:spPr>
           <a:xfrm>
-            <a:off x="230601" y="3019074"/>
-            <a:ext cx="2799549" cy="558974"/>
+            <a:off x="230601" y="2872027"/>
+            <a:ext cx="2799549" cy="890034"/>
           </a:xfrm>
           <a:prstGeom prst="roundRect">
             <a:avLst/>
@@ -4173,17 +4173,97 @@
           <a:bodyPr rtlCol="0" anchor="ctr"/>
           <a:lstStyle/>
           <a:p>
-            <a:pPr>
-              <a:lnSpc>
-                <a:spcPct val="150000"/>
-              </a:lnSpc>
-            </a:pPr>
             <a:r>
               <a:rPr lang="en-US" altLang="en-US" sz="800" dirty="0">
                 <a:solidFill>
                   <a:schemeClr val="tx1"/>
                 </a:solidFill>
               </a:rPr>
+              <a:t># To Install for the first time</a:t>
+            </a:r>
+          </a:p>
+          <a:p>
+            <a:r>
+              <a:rPr lang="en-US" altLang="en-US" sz="800" dirty="0">
+                <a:solidFill>
+                  <a:schemeClr val="tx1"/>
+                </a:solidFill>
+              </a:rPr>
+              <a:t># </a:t>
+            </a:r>
+            <a:r>
+              <a:rPr lang="en-US" altLang="en-US" sz="800" dirty="0" err="1">
+                <a:solidFill>
+                  <a:schemeClr val="tx1"/>
+                </a:solidFill>
+              </a:rPr>
+              <a:t>install.packages</a:t>
+            </a:r>
+            <a:r>
+              <a:rPr lang="en-US" altLang="en-US" sz="800" dirty="0">
+                <a:solidFill>
+                  <a:schemeClr val="tx1"/>
+                </a:solidFill>
+              </a:rPr>
+              <a:t>(devtools); library(devtools);</a:t>
+            </a:r>
+          </a:p>
+          <a:p>
+            <a:r>
+              <a:rPr lang="en-US" altLang="en-US" sz="800" dirty="0">
+                <a:solidFill>
+                  <a:schemeClr val="tx1"/>
+                </a:solidFill>
+              </a:rPr>
+              <a:t># devtools::</a:t>
+            </a:r>
+            <a:r>
+              <a:rPr lang="en-US" altLang="en-US" sz="800" dirty="0" err="1">
+                <a:solidFill>
+                  <a:schemeClr val="tx1"/>
+                </a:solidFill>
+              </a:rPr>
+              <a:t>install_github</a:t>
+            </a:r>
+            <a:r>
+              <a:rPr lang="en-US" altLang="en-US" sz="800" dirty="0">
+                <a:solidFill>
+                  <a:schemeClr val="tx1"/>
+                </a:solidFill>
+              </a:rPr>
+              <a:t>(“JGCRI/</a:t>
+            </a:r>
+            <a:r>
+              <a:rPr lang="en-US" altLang="en-US" sz="800" dirty="0" err="1">
+                <a:solidFill>
+                  <a:schemeClr val="tx1"/>
+                </a:solidFill>
+              </a:rPr>
+              <a:t>rmap</a:t>
+            </a:r>
+            <a:r>
+              <a:rPr lang="en-US" altLang="en-US" sz="800" dirty="0">
+                <a:solidFill>
+                  <a:schemeClr val="tx1"/>
+                </a:solidFill>
+              </a:rPr>
+              <a:t>");  </a:t>
+            </a:r>
+          </a:p>
+          <a:p>
+            <a:endParaRPr lang="en-US" altLang="en-US" sz="800" dirty="0">
+              <a:solidFill>
+                <a:schemeClr val="tx1"/>
+              </a:solidFill>
+            </a:endParaRPr>
+          </a:p>
+          <a:p>
+            <a:r>
+              <a:rPr lang="en-US" altLang="en-US" sz="800" dirty="0">
+                <a:solidFill>
+                  <a:schemeClr val="tx1"/>
+                </a:solidFill>
+              </a:rPr>
               <a:t>library(</a:t>
             </a:r>
             <a:r>
@@ -4204,11 +4284,6 @@
             </a:r>
           </a:p>
           <a:p>
-            <a:pPr>
-              <a:lnSpc>
-                <a:spcPct val="150000"/>
-              </a:lnSpc>
-            </a:pPr>
             <a:r>
               <a:rPr lang="en-US" altLang="en-US" sz="800" dirty="0">
                 <a:solidFill>
@@ -4227,11 +4302,6 @@
             </a:r>
           </a:p>
           <a:p>
-            <a:pPr>
-              <a:lnSpc>
-                <a:spcPct val="150000"/>
-              </a:lnSpc>
-            </a:pPr>
             <a:r>
               <a:rPr lang="en-US" altLang="en-US" sz="800" dirty="0">
                 <a:solidFill>
@@ -4258,13 +4328,13 @@
           <p:nvPr>
             <p:extLst>
               <p:ext uri="{D42A27DB-BD31-4B8C-83A1-F6EECF244321}">
-                <p14:modId xmlns:p14="http://schemas.microsoft.com/office/powerpoint/2010/main" val="966283143"/>
+                <p14:modId xmlns:p14="http://schemas.microsoft.com/office/powerpoint/2010/main" val="1777497818"/>
               </p:ext>
             </p:extLst>
           </p:nvPr>
         </p:nvGraphicFramePr>
         <p:xfrm>
-          <a:off x="206139" y="1798074"/>
+          <a:off x="206139" y="1670587"/>
           <a:ext cx="1283560" cy="640080"/>
         </p:xfrm>
         <a:graphic>
@@ -4430,7 +4500,7 @@
         </p:nvSpPr>
         <p:spPr>
           <a:xfrm>
-            <a:off x="151420" y="1510666"/>
+            <a:off x="151420" y="1383179"/>
             <a:ext cx="2999255" cy="278602"/>
           </a:xfrm>
           <a:prstGeom prst="rect">
@@ -4479,7 +4549,7 @@
         </p:nvSpPr>
         <p:spPr>
           <a:xfrm>
-            <a:off x="1568790" y="1761139"/>
+            <a:off x="1568790" y="1633652"/>
             <a:ext cx="1537892" cy="699269"/>
           </a:xfrm>
           <a:prstGeom prst="roundRect">
@@ -4590,7 +4660,7 @@
         </p:nvSpPr>
         <p:spPr>
           <a:xfrm>
-            <a:off x="142289" y="3912516"/>
+            <a:off x="142289" y="4057587"/>
             <a:ext cx="3008387" cy="278602"/>
           </a:xfrm>
           <a:prstGeom prst="rect">
@@ -4643,7 +4713,7 @@
         </p:nvSpPr>
         <p:spPr>
           <a:xfrm>
-            <a:off x="206139" y="1349179"/>
+            <a:off x="206139" y="1221692"/>
             <a:ext cx="742511" cy="230832"/>
           </a:xfrm>
           <a:prstGeom prst="rect">
@@ -4682,7 +4752,7 @@
         </p:nvSpPr>
         <p:spPr>
           <a:xfrm>
-            <a:off x="206139" y="2702180"/>
+            <a:off x="206139" y="2574693"/>
             <a:ext cx="452368" cy="230832"/>
           </a:xfrm>
           <a:prstGeom prst="rect">
@@ -4721,7 +4791,7 @@
         </p:nvSpPr>
         <p:spPr>
           <a:xfrm>
-            <a:off x="206138" y="3699586"/>
+            <a:off x="206138" y="3862241"/>
             <a:ext cx="848309" cy="230832"/>
           </a:xfrm>
           <a:prstGeom prst="rect">
@@ -5442,7 +5512,7 @@
         </p:nvSpPr>
         <p:spPr>
           <a:xfrm>
-            <a:off x="150643" y="2462763"/>
+            <a:off x="150643" y="2335276"/>
             <a:ext cx="2949846" cy="246221"/>
           </a:xfrm>
           <a:prstGeom prst="rect">
@@ -6716,7 +6786,7 @@
         </p:blipFill>
         <p:spPr>
           <a:xfrm>
-            <a:off x="520833" y="5436212"/>
+            <a:off x="520833" y="5559303"/>
             <a:ext cx="2095913" cy="1089365"/>
           </a:xfrm>
           <a:prstGeom prst="rect">
@@ -7381,7 +7451,7 @@
         </p:blipFill>
         <p:spPr>
           <a:xfrm>
-            <a:off x="530102" y="4260526"/>
+            <a:off x="530102" y="4383617"/>
             <a:ext cx="2095913" cy="989984"/>
           </a:xfrm>
           <a:prstGeom prst="rect">
